--- a/[DEx03] Mini Projeto - Roof Imoveis - Entrega.pptx
+++ b/[DEx03] Mini Projeto - Roof Imoveis - Entrega.pptx
@@ -25,7 +25,7 @@
   <p:notesSz cx="6858000" cy="9144000"/>
   <p:embeddedFontLst>
     <p:embeddedFont>
-      <p:font typeface="Montserrat" panose="020B0604020202020204" charset="0"/>
+      <p:font typeface="Montserrat Medium" panose="020B0604020202020204" charset="0"/>
       <p:regular r:id="rId15"/>
       <p:bold r:id="rId16"/>
       <p:italic r:id="rId17"/>
@@ -37,7 +37,7 @@
       <p:boldItalic r:id="rId20"/>
     </p:embeddedFont>
     <p:embeddedFont>
-      <p:font typeface="Montserrat Medium" panose="020B0604020202020204" charset="0"/>
+      <p:font typeface="Montserrat" panose="020B0604020202020204" charset="0"/>
       <p:regular r:id="rId21"/>
       <p:bold r:id="rId22"/>
       <p:italic r:id="rId23"/>
@@ -289,7 +289,7 @@
       </p15:sldGuideLst>
     </p:ext>
     <p:ext uri="http://customooxmlschemas.google.com/">
-      <go:slidesCustomData xmlns:go="http://customooxmlschemas.google.com/" xmlns:ahyp="http://schemas.microsoft.com/office/drawing/2018/hyperlinkcolor" xmlns:p15="http://schemas.microsoft.com/office/powerpoint/2012/main" xmlns:p14="http://schemas.microsoft.com/office/powerpoint/2010/main" xmlns:com="http://schemas.openxmlformats.org/drawingml/2006/compatibility" xmlns:pvml="urn:schemas-microsoft-com:office:powerpoint" xmlns:v="urn:schemas-microsoft-com:vml" xmlns:o="urn:schemas-microsoft-com:office:office" xmlns:dgm="http://schemas.openxmlformats.org/drawingml/2006/diagram" xmlns:c="http://schemas.openxmlformats.org/drawingml/2006/chart" xmlns:mv="urn:schemas-microsoft-com:mac:vml" xmlns:mc="http://schemas.openxmlformats.org/markup-compatibility/2006" xmlns="" r:id="rId38" roundtripDataSignature="AMtx7mgpvymn5jM2Q0W3L91x4QlSedn8DA=="/>
+      <go:slidesCustomData xmlns="" xmlns:mc="http://schemas.openxmlformats.org/markup-compatibility/2006" xmlns:mv="urn:schemas-microsoft-com:mac:vml" xmlns:c="http://schemas.openxmlformats.org/drawingml/2006/chart" xmlns:dgm="http://schemas.openxmlformats.org/drawingml/2006/diagram" xmlns:o="urn:schemas-microsoft-com:office:office" xmlns:v="urn:schemas-microsoft-com:vml" xmlns:pvml="urn:schemas-microsoft-com:office:powerpoint" xmlns:com="http://schemas.openxmlformats.org/drawingml/2006/compatibility" xmlns:p14="http://schemas.microsoft.com/office/powerpoint/2010/main" xmlns:p15="http://schemas.microsoft.com/office/powerpoint/2012/main" xmlns:ahyp="http://schemas.microsoft.com/office/drawing/2018/hyperlinkcolor" xmlns:go="http://customooxmlschemas.google.com/" r:id="rId38" roundtripDataSignature="AMtx7mgpvymn5jM2Q0W3L91x4QlSedn8DA=="/>
     </p:ext>
   </p:extLst>
 </p:presentation>
@@ -17726,7 +17726,7 @@
         <p:spPr>
           <a:xfrm>
             <a:off x="3962400" y="1704110"/>
-            <a:ext cx="4786745" cy="1908215"/>
+            <a:ext cx="4786745" cy="2831544"/>
           </a:xfrm>
           <a:prstGeom prst="rect">
             <a:avLst/>
@@ -17769,7 +17769,38 @@
               <a:rPr lang="pt-BR" dirty="0">
                 <a:hlinkClick r:id="rId2"/>
               </a:rPr>
-              <a:t>https://colab.research.google.com/drive/1MWwRyrxxsnL_MMLvJdOpxBTjLeaZydoF?usp=sharing</a:t>
+              <a:t>https://</a:t>
+            </a:r>
+            <a:r>
+              <a:rPr lang="pt-BR" dirty="0" smtClean="0">
+                <a:hlinkClick r:id="rId2"/>
+              </a:rPr>
+              <a:t>colab.research.google.com/drive/1MWwRyrxxsnL_MMLvJdOpxBTjLeaZydoF?usp=sharing</a:t>
+            </a:r>
+            <a:endParaRPr lang="pt-BR" dirty="0" smtClean="0"/>
+          </a:p>
+          <a:p>
+            <a:endParaRPr lang="pt-BR" dirty="0"/>
+          </a:p>
+          <a:p>
+            <a:r>
+              <a:rPr lang="pt-BR" sz="1800" b="1" dirty="0"/>
+              <a:t>GITHUB: </a:t>
+            </a:r>
+            <a:endParaRPr lang="pt-BR" sz="1800" b="1" dirty="0" smtClean="0"/>
+          </a:p>
+          <a:p>
+            <a:r>
+              <a:rPr lang="pt-BR" dirty="0" smtClean="0">
+                <a:hlinkClick r:id="rId3"/>
+              </a:rPr>
+              <a:t>https</a:t>
+            </a:r>
+            <a:r>
+              <a:rPr lang="pt-BR" dirty="0">
+                <a:hlinkClick r:id="rId3"/>
+              </a:rPr>
+              <a:t>://github.com/AdjairN/DNC-PROJETO-ROOF-IMOVEIS</a:t>
             </a:r>
             <a:endParaRPr lang="pt-BR" dirty="0"/>
           </a:p>
@@ -18334,7 +18365,7 @@
                 <a:hlinkClick r:id="rId3">
                   <a:extLst>
                     <a:ext uri="{A12FA001-AC4F-418D-AE19-62706E023703}">
-                      <ahyp:hlinkClr xmlns:ahyp="http://schemas.microsoft.com/office/drawing/2018/hyperlinkcolor" xmlns:p15="http://schemas.microsoft.com/office/powerpoint/2012/main" xmlns:p14="http://schemas.microsoft.com/office/powerpoint/2010/main" xmlns:com="http://schemas.openxmlformats.org/drawingml/2006/compatibility" xmlns:pvml="urn:schemas-microsoft-com:office:powerpoint" xmlns:v="urn:schemas-microsoft-com:vml" xmlns:o="urn:schemas-microsoft-com:office:office" xmlns:dgm="http://schemas.openxmlformats.org/drawingml/2006/diagram" xmlns:c="http://schemas.openxmlformats.org/drawingml/2006/chart" xmlns:mv="urn:schemas-microsoft-com:mac:vml" xmlns:mc="http://schemas.openxmlformats.org/markup-compatibility/2006" xmlns="" val="tx"/>
+                      <ahyp:hlinkClr xmlns="" xmlns:mc="http://schemas.openxmlformats.org/markup-compatibility/2006" xmlns:mv="urn:schemas-microsoft-com:mac:vml" xmlns:c="http://schemas.openxmlformats.org/drawingml/2006/chart" xmlns:dgm="http://schemas.openxmlformats.org/drawingml/2006/diagram" xmlns:o="urn:schemas-microsoft-com:office:office" xmlns:v="urn:schemas-microsoft-com:vml" xmlns:pvml="urn:schemas-microsoft-com:office:powerpoint" xmlns:com="http://schemas.openxmlformats.org/drawingml/2006/compatibility" xmlns:p14="http://schemas.microsoft.com/office/powerpoint/2010/main" xmlns:p15="http://schemas.microsoft.com/office/powerpoint/2012/main" xmlns:ahyp="http://schemas.microsoft.com/office/drawing/2018/hyperlinkcolor" val="tx"/>
                     </a:ext>
                   </a:extLst>
                 </a:hlinkClick>
@@ -18471,7 +18502,7 @@
                 <a:hlinkClick r:id="rId4">
                   <a:extLst>
                     <a:ext uri="{A12FA001-AC4F-418D-AE19-62706E023703}">
-                      <ahyp:hlinkClr xmlns:ahyp="http://schemas.microsoft.com/office/drawing/2018/hyperlinkcolor" xmlns:p15="http://schemas.microsoft.com/office/powerpoint/2012/main" xmlns:p14="http://schemas.microsoft.com/office/powerpoint/2010/main" xmlns:com="http://schemas.openxmlformats.org/drawingml/2006/compatibility" xmlns:pvml="urn:schemas-microsoft-com:office:powerpoint" xmlns:v="urn:schemas-microsoft-com:vml" xmlns:o="urn:schemas-microsoft-com:office:office" xmlns:dgm="http://schemas.openxmlformats.org/drawingml/2006/diagram" xmlns:c="http://schemas.openxmlformats.org/drawingml/2006/chart" xmlns:mv="urn:schemas-microsoft-com:mac:vml" xmlns:mc="http://schemas.openxmlformats.org/markup-compatibility/2006" xmlns="" val="tx"/>
+                      <ahyp:hlinkClr xmlns="" xmlns:mc="http://schemas.openxmlformats.org/markup-compatibility/2006" xmlns:mv="urn:schemas-microsoft-com:mac:vml" xmlns:c="http://schemas.openxmlformats.org/drawingml/2006/chart" xmlns:dgm="http://schemas.openxmlformats.org/drawingml/2006/diagram" xmlns:o="urn:schemas-microsoft-com:office:office" xmlns:v="urn:schemas-microsoft-com:vml" xmlns:pvml="urn:schemas-microsoft-com:office:powerpoint" xmlns:com="http://schemas.openxmlformats.org/drawingml/2006/compatibility" xmlns:p14="http://schemas.microsoft.com/office/powerpoint/2010/main" xmlns:p15="http://schemas.microsoft.com/office/powerpoint/2012/main" xmlns:ahyp="http://schemas.microsoft.com/office/drawing/2018/hyperlinkcolor" val="tx"/>
                     </a:ext>
                   </a:extLst>
                 </a:hlinkClick>
@@ -18558,7 +18589,7 @@
                 <a:hlinkClick r:id="rId5">
                   <a:extLst>
                     <a:ext uri="{A12FA001-AC4F-418D-AE19-62706E023703}">
-                      <ahyp:hlinkClr xmlns:ahyp="http://schemas.microsoft.com/office/drawing/2018/hyperlinkcolor" xmlns:p15="http://schemas.microsoft.com/office/powerpoint/2012/main" xmlns:p14="http://schemas.microsoft.com/office/powerpoint/2010/main" xmlns:com="http://schemas.openxmlformats.org/drawingml/2006/compatibility" xmlns:pvml="urn:schemas-microsoft-com:office:powerpoint" xmlns:v="urn:schemas-microsoft-com:vml" xmlns:o="urn:schemas-microsoft-com:office:office" xmlns:dgm="http://schemas.openxmlformats.org/drawingml/2006/diagram" xmlns:c="http://schemas.openxmlformats.org/drawingml/2006/chart" xmlns:mv="urn:schemas-microsoft-com:mac:vml" xmlns:mc="http://schemas.openxmlformats.org/markup-compatibility/2006" xmlns="" val="tx"/>
+                      <ahyp:hlinkClr xmlns="" xmlns:mc="http://schemas.openxmlformats.org/markup-compatibility/2006" xmlns:mv="urn:schemas-microsoft-com:mac:vml" xmlns:c="http://schemas.openxmlformats.org/drawingml/2006/chart" xmlns:dgm="http://schemas.openxmlformats.org/drawingml/2006/diagram" xmlns:o="urn:schemas-microsoft-com:office:office" xmlns:v="urn:schemas-microsoft-com:vml" xmlns:pvml="urn:schemas-microsoft-com:office:powerpoint" xmlns:com="http://schemas.openxmlformats.org/drawingml/2006/compatibility" xmlns:p14="http://schemas.microsoft.com/office/powerpoint/2010/main" xmlns:p15="http://schemas.microsoft.com/office/powerpoint/2012/main" xmlns:ahyp="http://schemas.microsoft.com/office/drawing/2018/hyperlinkcolor" val="tx"/>
                     </a:ext>
                   </a:extLst>
                 </a:hlinkClick>
